--- a/Week4_Final_Project/Restaurants_Analysis_Presentation.pptx
+++ b/Week4_Final_Project/Restaurants_Analysis_Presentation.pptx
@@ -6937,11 +6937,7 @@
           <a:p>
             <a:r>
               <a:rPr lang="en-US" dirty="0" smtClean="0"/>
-              <a:t>Data </a:t>
-            </a:r>
-            <a:r>
-              <a:rPr lang="en-US" dirty="0" smtClean="0"/>
-              <a:t>Preparation and Modeling</a:t>
+              <a:t>Data Preparation and Modeling</a:t>
             </a:r>
             <a:endParaRPr lang="en-US" dirty="0"/>
           </a:p>
@@ -7003,11 +6999,7 @@
           <a:p>
             <a:r>
               <a:rPr lang="en-US" dirty="0" smtClean="0"/>
-              <a:t>Various charts and bar graphs are created on the data </a:t>
-            </a:r>
-            <a:r>
-              <a:rPr lang="en-US" dirty="0" smtClean="0"/>
-              <a:t>to</a:t>
+              <a:t>Various charts and bar graphs are created on the data to</a:t>
             </a:r>
           </a:p>
           <a:p>
@@ -7036,8 +7028,16 @@
               <a:t>Once the data is ready we would be using </a:t>
             </a:r>
             <a:r>
+              <a:rPr lang="en-US" dirty="0" err="1" smtClean="0"/>
+              <a:t>Kmeans</a:t>
+            </a:r>
+            <a:r>
               <a:rPr lang="en-US" dirty="0" smtClean="0"/>
-              <a:t>KNN </a:t>
+              <a:t> </a:t>
+            </a:r>
+            <a:r>
+              <a:rPr lang="en-US" smtClean="0"/>
+              <a:t>Clustering Algorithm. </a:t>
             </a:r>
             <a:endParaRPr lang="en-US" dirty="0"/>
           </a:p>
